--- a/extra/naive_bayes.pptx
+++ b/extra/naive_bayes.pptx
@@ -275,7 +275,7 @@
           <a:p>
             <a:fld id="{7B9169B0-A344-9A43-AAD5-682508993835}" type="datetimeFigureOut">
               <a:rPr lang="fr-FR" smtClean="0"/>
-              <a:t>11/02/2022</a:t>
+              <a:t>14/02/2022</a:t>
             </a:fld>
             <a:endParaRPr lang="fr-FR"/>
           </a:p>
@@ -473,7 +473,7 @@
           <a:p>
             <a:fld id="{7B9169B0-A344-9A43-AAD5-682508993835}" type="datetimeFigureOut">
               <a:rPr lang="fr-FR" smtClean="0"/>
-              <a:t>11/02/2022</a:t>
+              <a:t>14/02/2022</a:t>
             </a:fld>
             <a:endParaRPr lang="fr-FR"/>
           </a:p>
@@ -681,7 +681,7 @@
           <a:p>
             <a:fld id="{7B9169B0-A344-9A43-AAD5-682508993835}" type="datetimeFigureOut">
               <a:rPr lang="fr-FR" smtClean="0"/>
-              <a:t>11/02/2022</a:t>
+              <a:t>14/02/2022</a:t>
             </a:fld>
             <a:endParaRPr lang="fr-FR"/>
           </a:p>
@@ -879,7 +879,7 @@
           <a:p>
             <a:fld id="{7B9169B0-A344-9A43-AAD5-682508993835}" type="datetimeFigureOut">
               <a:rPr lang="fr-FR" smtClean="0"/>
-              <a:t>11/02/2022</a:t>
+              <a:t>14/02/2022</a:t>
             </a:fld>
             <a:endParaRPr lang="fr-FR"/>
           </a:p>
@@ -1154,7 +1154,7 @@
           <a:p>
             <a:fld id="{7B9169B0-A344-9A43-AAD5-682508993835}" type="datetimeFigureOut">
               <a:rPr lang="fr-FR" smtClean="0"/>
-              <a:t>11/02/2022</a:t>
+              <a:t>14/02/2022</a:t>
             </a:fld>
             <a:endParaRPr lang="fr-FR"/>
           </a:p>
@@ -1419,7 +1419,7 @@
           <a:p>
             <a:fld id="{7B9169B0-A344-9A43-AAD5-682508993835}" type="datetimeFigureOut">
               <a:rPr lang="fr-FR" smtClean="0"/>
-              <a:t>11/02/2022</a:t>
+              <a:t>14/02/2022</a:t>
             </a:fld>
             <a:endParaRPr lang="fr-FR"/>
           </a:p>
@@ -1831,7 +1831,7 @@
           <a:p>
             <a:fld id="{7B9169B0-A344-9A43-AAD5-682508993835}" type="datetimeFigureOut">
               <a:rPr lang="fr-FR" smtClean="0"/>
-              <a:t>11/02/2022</a:t>
+              <a:t>14/02/2022</a:t>
             </a:fld>
             <a:endParaRPr lang="fr-FR"/>
           </a:p>
@@ -1972,7 +1972,7 @@
           <a:p>
             <a:fld id="{7B9169B0-A344-9A43-AAD5-682508993835}" type="datetimeFigureOut">
               <a:rPr lang="fr-FR" smtClean="0"/>
-              <a:t>11/02/2022</a:t>
+              <a:t>14/02/2022</a:t>
             </a:fld>
             <a:endParaRPr lang="fr-FR"/>
           </a:p>
@@ -2085,7 +2085,7 @@
           <a:p>
             <a:fld id="{7B9169B0-A344-9A43-AAD5-682508993835}" type="datetimeFigureOut">
               <a:rPr lang="fr-FR" smtClean="0"/>
-              <a:t>11/02/2022</a:t>
+              <a:t>14/02/2022</a:t>
             </a:fld>
             <a:endParaRPr lang="fr-FR"/>
           </a:p>
@@ -2396,7 +2396,7 @@
           <a:p>
             <a:fld id="{7B9169B0-A344-9A43-AAD5-682508993835}" type="datetimeFigureOut">
               <a:rPr lang="fr-FR" smtClean="0"/>
-              <a:t>11/02/2022</a:t>
+              <a:t>14/02/2022</a:t>
             </a:fld>
             <a:endParaRPr lang="fr-FR"/>
           </a:p>
@@ -2684,7 +2684,7 @@
           <a:p>
             <a:fld id="{7B9169B0-A344-9A43-AAD5-682508993835}" type="datetimeFigureOut">
               <a:rPr lang="fr-FR" smtClean="0"/>
-              <a:t>11/02/2022</a:t>
+              <a:t>14/02/2022</a:t>
             </a:fld>
             <a:endParaRPr lang="fr-FR"/>
           </a:p>
@@ -2925,7 +2925,7 @@
           <a:p>
             <a:fld id="{7B9169B0-A344-9A43-AAD5-682508993835}" type="datetimeFigureOut">
               <a:rPr lang="fr-FR" smtClean="0"/>
-              <a:t>11/02/2022</a:t>
+              <a:t>14/02/2022</a:t>
             </a:fld>
             <a:endParaRPr lang="fr-FR"/>
           </a:p>
@@ -4039,186 +4039,6 @@
           </a:p>
         </p:txBody>
       </p:sp>
-      <p:sp>
-        <p:nvSpPr>
-          <p:cNvPr id="45" name="ZoneTexte 34">
-            <a:extLst>
-              <a:ext uri="{FF2B5EF4-FFF2-40B4-BE49-F238E27FC236}">
-                <a16:creationId xmlns:a16="http://schemas.microsoft.com/office/drawing/2014/main" id="{B432A8F3-87A0-8F4E-A2F6-BC8BF6A9EFAA}"/>
-              </a:ext>
-            </a:extLst>
-          </p:cNvPr>
-          <p:cNvSpPr txBox="1"/>
-          <p:nvPr/>
-        </p:nvSpPr>
-        <p:spPr>
-          <a:xfrm>
-            <a:off x="3717624" y="5679981"/>
-            <a:ext cx="1935341" cy="584775"/>
-          </a:xfrm>
-          <a:prstGeom prst="rect">
-            <a:avLst/>
-          </a:prstGeom>
-          <a:noFill/>
-        </p:spPr>
-        <p:txBody>
-          <a:bodyPr wrap="square" rtlCol="0">
-            <a:spAutoFit/>
-          </a:bodyPr>
-          <a:lstStyle/>
-          <a:p>
-            <a:pPr algn="ctr"/>
-            <a:r>
-              <a:rPr lang="fr-FR" sz="3200" noProof="1"/>
-              <a:t>389</a:t>
-            </a:r>
-          </a:p>
-        </p:txBody>
-      </p:sp>
-      <p:sp>
-        <p:nvSpPr>
-          <p:cNvPr id="46" name="ZoneTexte 34">
-            <a:extLst>
-              <a:ext uri="{FF2B5EF4-FFF2-40B4-BE49-F238E27FC236}">
-                <a16:creationId xmlns:a16="http://schemas.microsoft.com/office/drawing/2014/main" id="{67045CAB-CBB6-0E46-82A3-E90E938A9AB0}"/>
-              </a:ext>
-            </a:extLst>
-          </p:cNvPr>
-          <p:cNvSpPr txBox="1"/>
-          <p:nvPr/>
-        </p:nvSpPr>
-        <p:spPr>
-          <a:xfrm>
-            <a:off x="5945341" y="5675767"/>
-            <a:ext cx="1935341" cy="584775"/>
-          </a:xfrm>
-          <a:prstGeom prst="rect">
-            <a:avLst/>
-          </a:prstGeom>
-          <a:noFill/>
-        </p:spPr>
-        <p:txBody>
-          <a:bodyPr wrap="square" rtlCol="0">
-            <a:spAutoFit/>
-          </a:bodyPr>
-          <a:lstStyle/>
-          <a:p>
-            <a:pPr algn="ctr"/>
-            <a:r>
-              <a:rPr lang="fr-FR" sz="3200" noProof="1"/>
-              <a:t>373</a:t>
-            </a:r>
-          </a:p>
-        </p:txBody>
-      </p:sp>
-      <p:sp>
-        <p:nvSpPr>
-          <p:cNvPr id="47" name="ZoneTexte 34">
-            <a:extLst>
-              <a:ext uri="{FF2B5EF4-FFF2-40B4-BE49-F238E27FC236}">
-                <a16:creationId xmlns:a16="http://schemas.microsoft.com/office/drawing/2014/main" id="{439A2F27-5861-9640-A3D8-F72AC59C32DD}"/>
-              </a:ext>
-            </a:extLst>
-          </p:cNvPr>
-          <p:cNvSpPr txBox="1"/>
-          <p:nvPr/>
-        </p:nvSpPr>
-        <p:spPr>
-          <a:xfrm>
-            <a:off x="7855748" y="3472770"/>
-            <a:ext cx="1935341" cy="584775"/>
-          </a:xfrm>
-          <a:prstGeom prst="rect">
-            <a:avLst/>
-          </a:prstGeom>
-          <a:noFill/>
-        </p:spPr>
-        <p:txBody>
-          <a:bodyPr wrap="square" rtlCol="0">
-            <a:spAutoFit/>
-          </a:bodyPr>
-          <a:lstStyle/>
-          <a:p>
-            <a:pPr algn="ctr"/>
-            <a:r>
-              <a:rPr lang="fr-FR" sz="3200" noProof="1"/>
-              <a:t>218</a:t>
-            </a:r>
-          </a:p>
-        </p:txBody>
-      </p:sp>
-      <p:sp>
-        <p:nvSpPr>
-          <p:cNvPr id="48" name="ZoneTexte 34">
-            <a:extLst>
-              <a:ext uri="{FF2B5EF4-FFF2-40B4-BE49-F238E27FC236}">
-                <a16:creationId xmlns:a16="http://schemas.microsoft.com/office/drawing/2014/main" id="{E6BF2217-72F5-C74A-AF58-ABD4ADD72CAC}"/>
-              </a:ext>
-            </a:extLst>
-          </p:cNvPr>
-          <p:cNvSpPr txBox="1"/>
-          <p:nvPr/>
-        </p:nvSpPr>
-        <p:spPr>
-          <a:xfrm>
-            <a:off x="7880682" y="4581185"/>
-            <a:ext cx="1935341" cy="584775"/>
-          </a:xfrm>
-          <a:prstGeom prst="rect">
-            <a:avLst/>
-          </a:prstGeom>
-          <a:noFill/>
-        </p:spPr>
-        <p:txBody>
-          <a:bodyPr wrap="square" rtlCol="0">
-            <a:spAutoFit/>
-          </a:bodyPr>
-          <a:lstStyle/>
-          <a:p>
-            <a:pPr algn="ctr"/>
-            <a:r>
-              <a:rPr lang="fr-FR" sz="3200" noProof="1"/>
-              <a:t>544</a:t>
-            </a:r>
-          </a:p>
-        </p:txBody>
-      </p:sp>
-      <p:sp>
-        <p:nvSpPr>
-          <p:cNvPr id="49" name="ZoneTexte 34">
-            <a:extLst>
-              <a:ext uri="{FF2B5EF4-FFF2-40B4-BE49-F238E27FC236}">
-                <a16:creationId xmlns:a16="http://schemas.microsoft.com/office/drawing/2014/main" id="{A17BF7C0-F77C-8E47-821E-9EE04462D702}"/>
-              </a:ext>
-            </a:extLst>
-          </p:cNvPr>
-          <p:cNvSpPr txBox="1"/>
-          <p:nvPr/>
-        </p:nvSpPr>
-        <p:spPr>
-          <a:xfrm>
-            <a:off x="7971181" y="5671238"/>
-            <a:ext cx="1935341" cy="584775"/>
-          </a:xfrm>
-          <a:prstGeom prst="rect">
-            <a:avLst/>
-          </a:prstGeom>
-          <a:noFill/>
-        </p:spPr>
-        <p:txBody>
-          <a:bodyPr wrap="square" rtlCol="0">
-            <a:spAutoFit/>
-          </a:bodyPr>
-          <a:lstStyle/>
-          <a:p>
-            <a:pPr algn="ctr"/>
-            <a:r>
-              <a:rPr lang="fr-FR" sz="3200" b="1" noProof="1"/>
-              <a:t>762</a:t>
-            </a:r>
-          </a:p>
-        </p:txBody>
-      </p:sp>
     </p:spTree>
     <p:extLst>
       <p:ext uri="{BB962C8B-B14F-4D97-AF65-F5344CB8AC3E}">
@@ -5644,7 +5464,7 @@
           <a:p>
             <a:r>
               <a:rPr lang="fr-FR" sz="3200" b="1" noProof="1"/>
-              <a:t>Prob( ! | spam ) = (128) / (128 + 261)</a:t>
+              <a:t>Prob( £ | spam ) = (128) / (128 + 261)</a:t>
             </a:r>
           </a:p>
           <a:p>
@@ -7674,7 +7494,7 @@
           <a:p>
             <a:r>
               <a:rPr lang="fr-FR" sz="3200" b="1" noProof="1"/>
-              <a:t>Prob( ! | no spam ) = (1) / (1 + 372)</a:t>
+              <a:t>Prob( £ | no spam ) = (1) / (1 + 372)</a:t>
             </a:r>
           </a:p>
           <a:p>
